--- a/Presentation/Presentation.pptx
+++ b/Presentation/Presentation.pptx
@@ -9,11 +9,15 @@
     <p:sldId id="263" r:id="rId3"/>
     <p:sldId id="264" r:id="rId4"/>
     <p:sldId id="265" r:id="rId5"/>
-    <p:sldId id="258" r:id="rId6"/>
-    <p:sldId id="259" r:id="rId7"/>
-    <p:sldId id="260" r:id="rId8"/>
-    <p:sldId id="261" r:id="rId9"/>
-    <p:sldId id="262" r:id="rId10"/>
+    <p:sldId id="267" r:id="rId6"/>
+    <p:sldId id="268" r:id="rId7"/>
+    <p:sldId id="269" r:id="rId8"/>
+    <p:sldId id="270" r:id="rId9"/>
+    <p:sldId id="266" r:id="rId10"/>
+    <p:sldId id="259" r:id="rId11"/>
+    <p:sldId id="260" r:id="rId12"/>
+    <p:sldId id="261" r:id="rId13"/>
+    <p:sldId id="262" r:id="rId14"/>
   </p:sldIdLst>
   <p:sldSz cx="12192000" cy="6858000"/>
   <p:notesSz cx="6858000" cy="9144000"/>
@@ -3320,6 +3324,14 @@
 <file path=ppt/slides/slide1.xml><?xml version="1.0" encoding="utf-8"?>
 <p:sld xmlns:a="http://schemas.openxmlformats.org/drawingml/2006/main" xmlns:r="http://schemas.openxmlformats.org/officeDocument/2006/relationships" xmlns:p="http://schemas.openxmlformats.org/presentationml/2006/main">
   <p:cSld>
+    <p:bg>
+      <p:bgPr>
+        <a:solidFill>
+          <a:schemeClr val="bg1"/>
+        </a:solidFill>
+        <a:effectLst/>
+      </p:bgPr>
+    </p:bg>
     <p:spTree>
       <p:nvGrpSpPr>
         <p:cNvPr id="1" name=""/>
@@ -3334,6 +3346,186 @@
           <a:chExt cx="0" cy="0"/>
         </a:xfrm>
       </p:grpSpPr>
+      <p:sp useBgFill="1">
+        <p:nvSpPr>
+          <p:cNvPr id="9" name="Rectangle 8">
+            <a:extLst>
+              <a:ext uri="{FF2B5EF4-FFF2-40B4-BE49-F238E27FC236}">
+                <a16:creationId xmlns:a16="http://schemas.microsoft.com/office/drawing/2014/main" id="{C1DD1A8A-57D5-4A81-AD04-532B043C5611}"/>
+              </a:ext>
+              <a:ext uri="{C183D7F6-B498-43B3-948B-1728B52AA6E4}">
+                <adec:decorative xmlns:adec="http://schemas.microsoft.com/office/drawing/2017/decorative" val="1"/>
+              </a:ext>
+            </a:extLst>
+          </p:cNvPr>
+          <p:cNvSpPr>
+            <a:spLocks noGrp="1" noRot="1" noChangeAspect="1" noMove="1" noResize="1" noEditPoints="1" noAdjustHandles="1" noChangeArrowheads="1" noChangeShapeType="1" noTextEdit="1"/>
+          </p:cNvSpPr>
+          <p:nvPr>
+            <p:extLst>
+              <p:ext uri="{386F3935-93C4-4BCD-93E2-E3B085C9AB24}">
+                <p16:designElem xmlns:p16="http://schemas.microsoft.com/office/powerpoint/2015/main" val="1"/>
+              </p:ext>
+            </p:extLst>
+          </p:nvPr>
+        </p:nvSpPr>
+        <p:spPr>
+          <a:xfrm>
+            <a:off x="-1" y="0"/>
+            <a:ext cx="12188952" cy="6858000"/>
+          </a:xfrm>
+          <a:prstGeom prst="rect">
+            <a:avLst/>
+          </a:prstGeom>
+          <a:ln>
+            <a:noFill/>
+          </a:ln>
+        </p:spPr>
+        <p:style>
+          <a:lnRef idx="2">
+            <a:schemeClr val="accent1">
+              <a:shade val="50000"/>
+            </a:schemeClr>
+          </a:lnRef>
+          <a:fillRef idx="1">
+            <a:schemeClr val="accent1"/>
+          </a:fillRef>
+          <a:effectRef idx="0">
+            <a:schemeClr val="accent1"/>
+          </a:effectRef>
+          <a:fontRef idx="minor">
+            <a:schemeClr val="lt1"/>
+          </a:fontRef>
+        </p:style>
+        <p:txBody>
+          <a:bodyPr rtlCol="0" anchor="ctr"/>
+          <a:lstStyle/>
+          <a:p>
+            <a:pPr algn="ctr"/>
+            <a:endParaRPr lang="en-US"/>
+          </a:p>
+        </p:txBody>
+      </p:sp>
+      <p:pic>
+        <p:nvPicPr>
+          <p:cNvPr id="5" name="Picture 4" descr="Close up of pushpins on roadmap route">
+            <a:extLst>
+              <a:ext uri="{FF2B5EF4-FFF2-40B4-BE49-F238E27FC236}">
+                <a16:creationId xmlns:a16="http://schemas.microsoft.com/office/drawing/2014/main" id="{4CD7ABEE-E07A-E4C6-2E71-B1FA167DEEBE}"/>
+              </a:ext>
+            </a:extLst>
+          </p:cNvPr>
+          <p:cNvPicPr>
+            <a:picLocks noChangeAspect="1"/>
+          </p:cNvPicPr>
+          <p:nvPr/>
+        </p:nvPicPr>
+        <p:blipFill rotWithShape="1">
+          <a:blip r:embed="rId2"/>
+          <a:srcRect b="15414"/>
+          <a:stretch/>
+        </p:blipFill>
+        <p:spPr>
+          <a:xfrm>
+            <a:off x="-3047" y="-222627"/>
+            <a:ext cx="12191999" cy="6857990"/>
+          </a:xfrm>
+          <a:prstGeom prst="rect">
+            <a:avLst/>
+          </a:prstGeom>
+        </p:spPr>
+      </p:pic>
+      <p:sp>
+        <p:nvSpPr>
+          <p:cNvPr id="11" name="Rectangle 10">
+            <a:extLst>
+              <a:ext uri="{FF2B5EF4-FFF2-40B4-BE49-F238E27FC236}">
+                <a16:creationId xmlns:a16="http://schemas.microsoft.com/office/drawing/2014/main" id="{007891EC-4501-44ED-A8C8-B11B6DB767AB}"/>
+              </a:ext>
+              <a:ext uri="{C183D7F6-B498-43B3-948B-1728B52AA6E4}">
+                <adec:decorative xmlns:adec="http://schemas.microsoft.com/office/drawing/2017/decorative" val="1"/>
+              </a:ext>
+            </a:extLst>
+          </p:cNvPr>
+          <p:cNvSpPr>
+            <a:spLocks noGrp="1" noRot="1" noChangeAspect="1" noMove="1" noResize="1" noEditPoints="1" noAdjustHandles="1" noChangeArrowheads="1" noChangeShapeType="1" noTextEdit="1"/>
+          </p:cNvSpPr>
+          <p:nvPr>
+            <p:extLst>
+              <p:ext uri="{386F3935-93C4-4BCD-93E2-E3B085C9AB24}">
+                <p16:designElem xmlns:p16="http://schemas.microsoft.com/office/powerpoint/2015/main" val="1"/>
+              </p:ext>
+            </p:extLst>
+          </p:nvPr>
+        </p:nvSpPr>
+        <p:spPr>
+          <a:xfrm>
+            <a:off x="0" y="2207602"/>
+            <a:ext cx="12191999" cy="3162146"/>
+          </a:xfrm>
+          <a:prstGeom prst="rect">
+            <a:avLst/>
+          </a:prstGeom>
+          <a:gradFill flip="none" rotWithShape="1">
+            <a:gsLst>
+              <a:gs pos="0">
+                <a:srgbClr val="000000">
+                  <a:alpha val="0"/>
+                </a:srgbClr>
+              </a:gs>
+              <a:gs pos="25000">
+                <a:srgbClr val="000000">
+                  <a:alpha val="15000"/>
+                </a:srgbClr>
+              </a:gs>
+              <a:gs pos="75000">
+                <a:srgbClr val="000000">
+                  <a:alpha val="15000"/>
+                </a:srgbClr>
+              </a:gs>
+              <a:gs pos="50000">
+                <a:srgbClr val="000000">
+                  <a:alpha val="30000"/>
+                </a:srgbClr>
+              </a:gs>
+              <a:gs pos="100000">
+                <a:srgbClr val="000000">
+                  <a:alpha val="0"/>
+                </a:srgbClr>
+              </a:gs>
+            </a:gsLst>
+            <a:lin ang="16200000" scaled="1"/>
+            <a:tileRect/>
+          </a:gradFill>
+          <a:ln>
+            <a:noFill/>
+          </a:ln>
+        </p:spPr>
+        <p:style>
+          <a:lnRef idx="2">
+            <a:schemeClr val="accent1">
+              <a:shade val="50000"/>
+            </a:schemeClr>
+          </a:lnRef>
+          <a:fillRef idx="1">
+            <a:schemeClr val="accent1"/>
+          </a:fillRef>
+          <a:effectRef idx="0">
+            <a:schemeClr val="accent1"/>
+          </a:effectRef>
+          <a:fontRef idx="minor">
+            <a:schemeClr val="lt1"/>
+          </a:fontRef>
+        </p:style>
+        <p:txBody>
+          <a:bodyPr rtlCol="0" anchor="ctr"/>
+          <a:lstStyle/>
+          <a:p>
+            <a:pPr algn="ctr"/>
+            <a:endParaRPr lang="en-US"/>
+          </a:p>
+        </p:txBody>
+      </p:sp>
       <p:sp>
         <p:nvSpPr>
           <p:cNvPr id="2" name="Title 1">
@@ -3350,20 +3542,52 @@
             <p:ph type="ctrTitle"/>
           </p:nvPr>
         </p:nvSpPr>
-        <p:spPr/>
-        <p:txBody>
-          <a:bodyPr/>
-          <a:lstStyle/>
-          <a:p>
-            <a:r>
-              <a:rPr lang="en-US" dirty="0"/>
+        <p:spPr>
+          <a:xfrm>
+            <a:off x="1868556" y="325550"/>
+            <a:ext cx="9287123" cy="1882052"/>
+          </a:xfrm>
+          <a:effectLst>
+            <a:outerShdw blurRad="50800" dist="38100" dir="2700000" algn="tl" rotWithShape="0">
+              <a:prstClr val="black">
+                <a:alpha val="40000"/>
+              </a:prstClr>
+            </a:outerShdw>
+          </a:effectLst>
+        </p:spPr>
+        <p:txBody>
+          <a:bodyPr>
+            <a:normAutofit/>
+          </a:bodyPr>
+          <a:lstStyle/>
+          <a:p>
+            <a:r>
+              <a:rPr lang="en-US" sz="5200" dirty="0">
+                <a:solidFill>
+                  <a:schemeClr val="accent1">
+                    <a:lumMod val="50000"/>
+                  </a:schemeClr>
+                </a:solidFill>
+              </a:rPr>
               <a:t>Let’s Make an </a:t>
             </a:r>
             <a:br>
-              <a:rPr lang="en-US" dirty="0"/>
+              <a:rPr lang="en-US" sz="5200" dirty="0">
+                <a:solidFill>
+                  <a:schemeClr val="accent1">
+                    <a:lumMod val="50000"/>
+                  </a:schemeClr>
+                </a:solidFill>
+              </a:rPr>
             </a:br>
             <a:r>
-              <a:rPr lang="en-US" dirty="0"/>
+              <a:rPr lang="en-US" sz="5200" dirty="0">
+                <a:solidFill>
+                  <a:schemeClr val="accent1">
+                    <a:lumMod val="50000"/>
+                  </a:schemeClr>
+                </a:solidFill>
+              </a:rPr>
               <a:t>Interactive Map!</a:t>
             </a:r>
           </a:p>
@@ -3385,12 +3609,140 @@
             <p:ph type="subTitle" idx="1"/>
           </p:nvPr>
         </p:nvSpPr>
-        <p:spPr/>
-        <p:txBody>
-          <a:bodyPr/>
-          <a:lstStyle/>
-          <a:p>
-            <a:endParaRPr lang="en-US" dirty="0"/>
+        <p:spPr>
+          <a:xfrm>
+            <a:off x="1100051" y="4072043"/>
+            <a:ext cx="10058400" cy="1282707"/>
+          </a:xfrm>
+          <a:effectLst>
+            <a:outerShdw blurRad="50800" dist="38100" dir="2700000" algn="tl" rotWithShape="0">
+              <a:prstClr val="black">
+                <a:alpha val="40000"/>
+              </a:prstClr>
+            </a:outerShdw>
+          </a:effectLst>
+        </p:spPr>
+        <p:txBody>
+          <a:bodyPr>
+            <a:normAutofit/>
+          </a:bodyPr>
+          <a:lstStyle/>
+          <a:p>
+            <a:r>
+              <a:rPr lang="en-US" sz="1700" dirty="0">
+                <a:solidFill>
+                  <a:schemeClr val="accent1">
+                    <a:lumMod val="50000"/>
+                  </a:schemeClr>
+                </a:solidFill>
+              </a:rPr>
+              <a:t>Tom McKeon, MPH</a:t>
+            </a:r>
+            <a:br>
+              <a:rPr lang="en-US" sz="1700" dirty="0">
+                <a:solidFill>
+                  <a:schemeClr val="accent1">
+                    <a:lumMod val="50000"/>
+                  </a:schemeClr>
+                </a:solidFill>
+              </a:rPr>
+            </a:br>
+            <a:r>
+              <a:rPr lang="en-US" sz="1700" dirty="0">
+                <a:solidFill>
+                  <a:schemeClr val="accent1">
+                    <a:lumMod val="50000"/>
+                  </a:schemeClr>
+                </a:solidFill>
+              </a:rPr>
+              <a:t>PhD Candidate | Department of Geography and Urban Studies</a:t>
+            </a:r>
+          </a:p>
+          <a:p>
+            <a:r>
+              <a:rPr lang="en-US" sz="1700" dirty="0">
+                <a:solidFill>
+                  <a:schemeClr val="accent1">
+                    <a:lumMod val="50000"/>
+                  </a:schemeClr>
+                </a:solidFill>
+              </a:rPr>
+              <a:t>Temple University | </a:t>
+            </a:r>
+            <a:r>
+              <a:rPr lang="en-US" sz="1700" dirty="0">
+                <a:solidFill>
+                  <a:schemeClr val="accent1">
+                    <a:lumMod val="50000"/>
+                  </a:schemeClr>
+                </a:solidFill>
+                <a:hlinkClick r:id="rId3"/>
+              </a:rPr>
+              <a:t>mckeont@temple.edu</a:t>
+            </a:r>
+            <a:r>
+              <a:rPr lang="en-US" sz="1700" dirty="0">
+                <a:solidFill>
+                  <a:schemeClr val="accent1">
+                    <a:lumMod val="50000"/>
+                  </a:schemeClr>
+                </a:solidFill>
+              </a:rPr>
+              <a:t> </a:t>
+            </a:r>
+          </a:p>
+          <a:p>
+            <a:r>
+              <a:rPr lang="en-US" sz="1700" dirty="0">
+                <a:solidFill>
+                  <a:schemeClr val="accent1">
+                    <a:lumMod val="50000"/>
+                  </a:schemeClr>
+                </a:solidFill>
+              </a:rPr>
+              <a:t>Link to data for this tutorial: </a:t>
+            </a:r>
+            <a:r>
+              <a:rPr lang="en-US" sz="1700" dirty="0" err="1">
+                <a:solidFill>
+                  <a:srgbClr val="FFFFFF"/>
+                </a:solidFill>
+                <a:hlinkClick r:id="rId4"/>
+              </a:rPr>
+              <a:t>mckeont</a:t>
+            </a:r>
+            <a:r>
+              <a:rPr lang="en-US" sz="1700" dirty="0">
+                <a:solidFill>
+                  <a:srgbClr val="FFFFFF"/>
+                </a:solidFill>
+                <a:hlinkClick r:id="rId4"/>
+              </a:rPr>
+              <a:t>/</a:t>
+            </a:r>
+            <a:r>
+              <a:rPr lang="en-US" sz="1700" dirty="0" err="1">
+                <a:solidFill>
+                  <a:srgbClr val="FFFFFF"/>
+                </a:solidFill>
+                <a:hlinkClick r:id="rId4"/>
+              </a:rPr>
+              <a:t>GeoTag</a:t>
+            </a:r>
+            <a:r>
+              <a:rPr lang="en-US" sz="1700" dirty="0">
+                <a:solidFill>
+                  <a:srgbClr val="FFFFFF"/>
+                </a:solidFill>
+                <a:hlinkClick r:id="rId4"/>
+              </a:rPr>
+              <a:t> (github.com)</a:t>
+            </a:r>
+            <a:endParaRPr lang="en-US" sz="1700" dirty="0">
+              <a:solidFill>
+                <a:srgbClr val="FFFFFF"/>
+              </a:solidFill>
+            </a:endParaRPr>
           </a:p>
         </p:txBody>
       </p:sp>
@@ -3407,7 +3759,7 @@
 </p:sld>
 </file>
 
-<file path=ppt/slides/slide2.xml><?xml version="1.0" encoding="utf-8"?>
+<file path=ppt/slides/slide10.xml><?xml version="1.0" encoding="utf-8"?>
 <p:sld xmlns:a="http://schemas.openxmlformats.org/drawingml/2006/main" xmlns:r="http://schemas.openxmlformats.org/officeDocument/2006/relationships" xmlns:p="http://schemas.openxmlformats.org/presentationml/2006/main">
   <p:cSld>
     <p:spTree>
@@ -3429,6 +3781,354 @@
           <p:cNvPr id="2" name="Title 1">
             <a:extLst>
               <a:ext uri="{FF2B5EF4-FFF2-40B4-BE49-F238E27FC236}">
+                <a16:creationId xmlns:a16="http://schemas.microsoft.com/office/drawing/2014/main" id="{0455DF6C-8F8B-22B6-CE02-40AA8346AD8E}"/>
+              </a:ext>
+            </a:extLst>
+          </p:cNvPr>
+          <p:cNvSpPr>
+            <a:spLocks noGrp="1"/>
+          </p:cNvSpPr>
+          <p:nvPr>
+            <p:ph type="title"/>
+          </p:nvPr>
+        </p:nvSpPr>
+        <p:spPr/>
+        <p:txBody>
+          <a:bodyPr/>
+          <a:lstStyle/>
+          <a:p>
+            <a:endParaRPr lang="en-US"/>
+          </a:p>
+        </p:txBody>
+      </p:sp>
+      <p:sp>
+        <p:nvSpPr>
+          <p:cNvPr id="3" name="Content Placeholder 2">
+            <a:extLst>
+              <a:ext uri="{FF2B5EF4-FFF2-40B4-BE49-F238E27FC236}">
+                <a16:creationId xmlns:a16="http://schemas.microsoft.com/office/drawing/2014/main" id="{DD5DFD99-3E4A-5131-27C3-5E20D4B63E53}"/>
+              </a:ext>
+            </a:extLst>
+          </p:cNvPr>
+          <p:cNvSpPr>
+            <a:spLocks noGrp="1"/>
+          </p:cNvSpPr>
+          <p:nvPr>
+            <p:ph idx="1"/>
+          </p:nvPr>
+        </p:nvSpPr>
+        <p:spPr/>
+        <p:txBody>
+          <a:bodyPr/>
+          <a:lstStyle/>
+          <a:p>
+            <a:endParaRPr lang="en-US"/>
+          </a:p>
+        </p:txBody>
+      </p:sp>
+      <p:pic>
+        <p:nvPicPr>
+          <p:cNvPr id="5" name="Picture 4">
+            <a:extLst>
+              <a:ext uri="{FF2B5EF4-FFF2-40B4-BE49-F238E27FC236}">
+                <a16:creationId xmlns:a16="http://schemas.microsoft.com/office/drawing/2014/main" id="{0850DC4F-8112-DC24-375E-ACBBF700840A}"/>
+              </a:ext>
+            </a:extLst>
+          </p:cNvPr>
+          <p:cNvPicPr>
+            <a:picLocks noChangeAspect="1"/>
+          </p:cNvPicPr>
+          <p:nvPr/>
+        </p:nvPicPr>
+        <p:blipFill>
+          <a:blip r:embed="rId2"/>
+          <a:stretch>
+            <a:fillRect/>
+          </a:stretch>
+        </p:blipFill>
+        <p:spPr>
+          <a:xfrm>
+            <a:off x="4152900" y="1209675"/>
+            <a:ext cx="3886200" cy="4438650"/>
+          </a:xfrm>
+          <a:prstGeom prst="rect">
+            <a:avLst/>
+          </a:prstGeom>
+        </p:spPr>
+      </p:pic>
+    </p:spTree>
+    <p:extLst>
+      <p:ext uri="{BB962C8B-B14F-4D97-AF65-F5344CB8AC3E}">
+        <p14:creationId xmlns:p14="http://schemas.microsoft.com/office/powerpoint/2010/main" val="4192464839"/>
+      </p:ext>
+    </p:extLst>
+  </p:cSld>
+  <p:clrMapOvr>
+    <a:masterClrMapping/>
+  </p:clrMapOvr>
+</p:sld>
+</file>
+
+<file path=ppt/slides/slide11.xml><?xml version="1.0" encoding="utf-8"?>
+<p:sld xmlns:a="http://schemas.openxmlformats.org/drawingml/2006/main" xmlns:r="http://schemas.openxmlformats.org/officeDocument/2006/relationships" xmlns:p="http://schemas.openxmlformats.org/presentationml/2006/main">
+  <p:cSld>
+    <p:spTree>
+      <p:nvGrpSpPr>
+        <p:cNvPr id="1" name=""/>
+        <p:cNvGrpSpPr/>
+        <p:nvPr/>
+      </p:nvGrpSpPr>
+      <p:grpSpPr>
+        <a:xfrm>
+          <a:off x="0" y="0"/>
+          <a:ext cx="0" cy="0"/>
+          <a:chOff x="0" y="0"/>
+          <a:chExt cx="0" cy="0"/>
+        </a:xfrm>
+      </p:grpSpPr>
+      <p:sp>
+        <p:nvSpPr>
+          <p:cNvPr id="2" name="Title 1">
+            <a:extLst>
+              <a:ext uri="{FF2B5EF4-FFF2-40B4-BE49-F238E27FC236}">
+                <a16:creationId xmlns:a16="http://schemas.microsoft.com/office/drawing/2014/main" id="{0DD3DB74-218C-0AEF-8315-AB98D967A2CB}"/>
+              </a:ext>
+            </a:extLst>
+          </p:cNvPr>
+          <p:cNvSpPr>
+            <a:spLocks noGrp="1"/>
+          </p:cNvSpPr>
+          <p:nvPr>
+            <p:ph type="title"/>
+          </p:nvPr>
+        </p:nvSpPr>
+        <p:spPr/>
+        <p:txBody>
+          <a:bodyPr/>
+          <a:lstStyle/>
+          <a:p>
+            <a:endParaRPr lang="en-US"/>
+          </a:p>
+        </p:txBody>
+      </p:sp>
+      <p:sp>
+        <p:nvSpPr>
+          <p:cNvPr id="3" name="Content Placeholder 2">
+            <a:extLst>
+              <a:ext uri="{FF2B5EF4-FFF2-40B4-BE49-F238E27FC236}">
+                <a16:creationId xmlns:a16="http://schemas.microsoft.com/office/drawing/2014/main" id="{B3627656-49FE-5754-7F2C-038583C30B2A}"/>
+              </a:ext>
+            </a:extLst>
+          </p:cNvPr>
+          <p:cNvSpPr>
+            <a:spLocks noGrp="1"/>
+          </p:cNvSpPr>
+          <p:nvPr>
+            <p:ph idx="1"/>
+          </p:nvPr>
+        </p:nvSpPr>
+        <p:spPr/>
+        <p:txBody>
+          <a:bodyPr/>
+          <a:lstStyle/>
+          <a:p>
+            <a:endParaRPr lang="en-US"/>
+          </a:p>
+        </p:txBody>
+      </p:sp>
+      <p:pic>
+        <p:nvPicPr>
+          <p:cNvPr id="5" name="Picture 4">
+            <a:extLst>
+              <a:ext uri="{FF2B5EF4-FFF2-40B4-BE49-F238E27FC236}">
+                <a16:creationId xmlns:a16="http://schemas.microsoft.com/office/drawing/2014/main" id="{AAAEA6F1-0BB7-6247-133F-65F8E4A814A1}"/>
+              </a:ext>
+            </a:extLst>
+          </p:cNvPr>
+          <p:cNvPicPr>
+            <a:picLocks noChangeAspect="1"/>
+          </p:cNvPicPr>
+          <p:nvPr/>
+        </p:nvPicPr>
+        <p:blipFill>
+          <a:blip r:embed="rId2"/>
+          <a:stretch>
+            <a:fillRect/>
+          </a:stretch>
+        </p:blipFill>
+        <p:spPr>
+          <a:xfrm>
+            <a:off x="1738312" y="395287"/>
+            <a:ext cx="8715375" cy="6067425"/>
+          </a:xfrm>
+          <a:prstGeom prst="rect">
+            <a:avLst/>
+          </a:prstGeom>
+        </p:spPr>
+      </p:pic>
+    </p:spTree>
+    <p:extLst>
+      <p:ext uri="{BB962C8B-B14F-4D97-AF65-F5344CB8AC3E}">
+        <p14:creationId xmlns:p14="http://schemas.microsoft.com/office/powerpoint/2010/main" val="3847580164"/>
+      </p:ext>
+    </p:extLst>
+  </p:cSld>
+  <p:clrMapOvr>
+    <a:masterClrMapping/>
+  </p:clrMapOvr>
+</p:sld>
+</file>
+
+<file path=ppt/slides/slide12.xml><?xml version="1.0" encoding="utf-8"?>
+<p:sld xmlns:a="http://schemas.openxmlformats.org/drawingml/2006/main" xmlns:r="http://schemas.openxmlformats.org/officeDocument/2006/relationships" xmlns:p="http://schemas.openxmlformats.org/presentationml/2006/main">
+  <p:cSld>
+    <p:spTree>
+      <p:nvGrpSpPr>
+        <p:cNvPr id="1" name=""/>
+        <p:cNvGrpSpPr/>
+        <p:nvPr/>
+      </p:nvGrpSpPr>
+      <p:grpSpPr>
+        <a:xfrm>
+          <a:off x="0" y="0"/>
+          <a:ext cx="0" cy="0"/>
+          <a:chOff x="0" y="0"/>
+          <a:chExt cx="0" cy="0"/>
+        </a:xfrm>
+      </p:grpSpPr>
+      <p:pic>
+        <p:nvPicPr>
+          <p:cNvPr id="3" name="Picture 2">
+            <a:extLst>
+              <a:ext uri="{FF2B5EF4-FFF2-40B4-BE49-F238E27FC236}">
+                <a16:creationId xmlns:a16="http://schemas.microsoft.com/office/drawing/2014/main" id="{848A2126-63F6-B1AE-84B1-8CB340E9B447}"/>
+              </a:ext>
+            </a:extLst>
+          </p:cNvPr>
+          <p:cNvPicPr>
+            <a:picLocks noChangeAspect="1"/>
+          </p:cNvPicPr>
+          <p:nvPr/>
+        </p:nvPicPr>
+        <p:blipFill>
+          <a:blip r:embed="rId2"/>
+          <a:stretch>
+            <a:fillRect/>
+          </a:stretch>
+        </p:blipFill>
+        <p:spPr>
+          <a:xfrm>
+            <a:off x="1938337" y="395287"/>
+            <a:ext cx="8315325" cy="6067425"/>
+          </a:xfrm>
+          <a:prstGeom prst="rect">
+            <a:avLst/>
+          </a:prstGeom>
+        </p:spPr>
+      </p:pic>
+    </p:spTree>
+    <p:extLst>
+      <p:ext uri="{BB962C8B-B14F-4D97-AF65-F5344CB8AC3E}">
+        <p14:creationId xmlns:p14="http://schemas.microsoft.com/office/powerpoint/2010/main" val="779234277"/>
+      </p:ext>
+    </p:extLst>
+  </p:cSld>
+  <p:clrMapOvr>
+    <a:masterClrMapping/>
+  </p:clrMapOvr>
+</p:sld>
+</file>
+
+<file path=ppt/slides/slide13.xml><?xml version="1.0" encoding="utf-8"?>
+<p:sld xmlns:a="http://schemas.openxmlformats.org/drawingml/2006/main" xmlns:r="http://schemas.openxmlformats.org/officeDocument/2006/relationships" xmlns:p="http://schemas.openxmlformats.org/presentationml/2006/main">
+  <p:cSld>
+    <p:spTree>
+      <p:nvGrpSpPr>
+        <p:cNvPr id="1" name=""/>
+        <p:cNvGrpSpPr/>
+        <p:nvPr/>
+      </p:nvGrpSpPr>
+      <p:grpSpPr>
+        <a:xfrm>
+          <a:off x="0" y="0"/>
+          <a:ext cx="0" cy="0"/>
+          <a:chOff x="0" y="0"/>
+          <a:chExt cx="0" cy="0"/>
+        </a:xfrm>
+      </p:grpSpPr>
+      <p:pic>
+        <p:nvPicPr>
+          <p:cNvPr id="3" name="Picture 2">
+            <a:extLst>
+              <a:ext uri="{FF2B5EF4-FFF2-40B4-BE49-F238E27FC236}">
+                <a16:creationId xmlns:a16="http://schemas.microsoft.com/office/drawing/2014/main" id="{8EF02D13-3A63-5E9B-D4D5-B05318B1FF5F}"/>
+              </a:ext>
+            </a:extLst>
+          </p:cNvPr>
+          <p:cNvPicPr>
+            <a:picLocks noChangeAspect="1"/>
+          </p:cNvPicPr>
+          <p:nvPr/>
+        </p:nvPicPr>
+        <p:blipFill>
+          <a:blip r:embed="rId2"/>
+          <a:stretch>
+            <a:fillRect/>
+          </a:stretch>
+        </p:blipFill>
+        <p:spPr>
+          <a:xfrm>
+            <a:off x="0" y="1029363"/>
+            <a:ext cx="12192000" cy="4799273"/>
+          </a:xfrm>
+          <a:prstGeom prst="rect">
+            <a:avLst/>
+          </a:prstGeom>
+        </p:spPr>
+      </p:pic>
+    </p:spTree>
+    <p:extLst>
+      <p:ext uri="{BB962C8B-B14F-4D97-AF65-F5344CB8AC3E}">
+        <p14:creationId xmlns:p14="http://schemas.microsoft.com/office/powerpoint/2010/main" val="1459344287"/>
+      </p:ext>
+    </p:extLst>
+  </p:cSld>
+  <p:clrMapOvr>
+    <a:masterClrMapping/>
+  </p:clrMapOvr>
+</p:sld>
+</file>
+
+<file path=ppt/slides/slide2.xml><?xml version="1.0" encoding="utf-8"?>
+<p:sld xmlns:a="http://schemas.openxmlformats.org/drawingml/2006/main" xmlns:r="http://schemas.openxmlformats.org/officeDocument/2006/relationships" xmlns:p="http://schemas.openxmlformats.org/presentationml/2006/main">
+  <p:cSld>
+    <p:bg>
+      <p:bgPr>
+        <a:solidFill>
+          <a:schemeClr val="bg1"/>
+        </a:solidFill>
+        <a:effectLst/>
+      </p:bgPr>
+    </p:bg>
+    <p:spTree>
+      <p:nvGrpSpPr>
+        <p:cNvPr id="1" name=""/>
+        <p:cNvGrpSpPr/>
+        <p:nvPr/>
+      </p:nvGrpSpPr>
+      <p:grpSpPr>
+        <a:xfrm>
+          <a:off x="0" y="0"/>
+          <a:ext cx="0" cy="0"/>
+          <a:chOff x="0" y="0"/>
+          <a:chExt cx="0" cy="0"/>
+        </a:xfrm>
+      </p:grpSpPr>
+      <p:sp>
+        <p:nvSpPr>
+          <p:cNvPr id="2" name="Title 1">
+            <a:extLst>
+              <a:ext uri="{FF2B5EF4-FFF2-40B4-BE49-F238E27FC236}">
                 <a16:creationId xmlns:a16="http://schemas.microsoft.com/office/drawing/2014/main" id="{2EFE3B29-A2A3-BCF1-2C0B-B626AC94D663}"/>
               </a:ext>
             </a:extLst>
@@ -3440,9 +4140,16 @@
             <p:ph type="title"/>
           </p:nvPr>
         </p:nvSpPr>
-        <p:spPr/>
-        <p:txBody>
-          <a:bodyPr/>
+        <p:spPr>
+          <a:xfrm>
+            <a:off x="4965430" y="629268"/>
+            <a:ext cx="6586491" cy="1286160"/>
+          </a:xfrm>
+        </p:spPr>
+        <p:txBody>
+          <a:bodyPr anchor="b">
+            <a:normAutofit/>
+          </a:bodyPr>
           <a:lstStyle/>
           <a:p>
             <a:r>
@@ -3468,109 +4175,174 @@
             <p:ph idx="1"/>
           </p:nvPr>
         </p:nvSpPr>
-        <p:spPr/>
-        <p:txBody>
-          <a:bodyPr/>
-          <a:lstStyle/>
-          <a:p>
-            <a:r>
-              <a:rPr lang="en-US" dirty="0"/>
+        <p:spPr>
+          <a:xfrm>
+            <a:off x="4965431" y="2438400"/>
+            <a:ext cx="6586489" cy="3785419"/>
+          </a:xfrm>
+        </p:spPr>
+        <p:txBody>
+          <a:bodyPr>
+            <a:normAutofit/>
+          </a:bodyPr>
+          <a:lstStyle/>
+          <a:p>
+            <a:r>
+              <a:rPr lang="en-US" sz="2000"/>
               <a:t>A browser-based map with user engagement.</a:t>
             </a:r>
           </a:p>
           <a:p>
             <a:pPr lvl="1"/>
             <a:r>
-              <a:rPr lang="en-US" dirty="0"/>
-              <a:t>Zoom, </a:t>
-            </a:r>
-            <a:r>
-              <a:rPr lang="en-US" dirty="0" err="1"/>
-              <a:t>paning</a:t>
-            </a:r>
-            <a:r>
-              <a:rPr lang="en-US" dirty="0"/>
-              <a:t>, pop-ups, toggle layers, buttons, etc.</a:t>
-            </a:r>
-          </a:p>
-          <a:p>
-            <a:r>
-              <a:rPr lang="en-US" dirty="0"/>
-              <a:t>Created using HTML, CSS, and </a:t>
-            </a:r>
-            <a:r>
-              <a:rPr lang="en-US" dirty="0" err="1"/>
-              <a:t>Javascript</a:t>
-            </a:r>
-            <a:r>
-              <a:rPr lang="en-US" dirty="0"/>
-              <a:t> (leaflet library)</a:t>
-            </a:r>
-            <a:endParaRPr lang="en-US" dirty="0">
+              <a:rPr lang="en-US" sz="2000"/>
+              <a:t>Zoom, paning, pop-ups, toggle layers, buttons, etc.</a:t>
+            </a:r>
+          </a:p>
+          <a:p>
+            <a:r>
+              <a:rPr lang="en-US" sz="2000"/>
+              <a:t>Created using HTML, CSS, and Javascript (leaflet library)</a:t>
+            </a:r>
+            <a:endParaRPr lang="en-US" sz="2000">
               <a:hlinkClick r:id="rId2"/>
             </a:endParaRPr>
           </a:p>
           <a:p>
             <a:r>
-              <a:rPr lang="en-US" dirty="0"/>
+              <a:rPr lang="en-US" sz="2000"/>
               <a:t>Need to write code in a text editor (notepad, atom, brackets, etc.)</a:t>
             </a:r>
           </a:p>
           <a:p>
             <a:r>
-              <a:rPr lang="en-US" dirty="0"/>
-              <a:t>Host your code on </a:t>
-            </a:r>
-            <a:r>
-              <a:rPr lang="en-US" dirty="0" err="1"/>
-              <a:t>Github</a:t>
-            </a:r>
-            <a:r>
-              <a:rPr lang="en-US" dirty="0"/>
-              <a:t> to create a shareable URL link.</a:t>
+              <a:rPr lang="en-US" sz="2000"/>
+              <a:t>Host your code on Github to create a shareable URL link.</a:t>
             </a:r>
           </a:p>
           <a:p>
             <a:pPr lvl="1"/>
             <a:r>
-              <a:rPr lang="en-US" dirty="0"/>
+              <a:rPr lang="en-US" sz="2000"/>
               <a:t>Great way to make a map-based holiday card, or share points of interest after a hike, vacation, or anything really.</a:t>
             </a:r>
           </a:p>
           <a:p>
             <a:pPr lvl="1"/>
             <a:r>
-              <a:rPr lang="en-US" dirty="0">
+              <a:rPr lang="en-US" sz="2000">
                 <a:hlinkClick r:id="rId2"/>
               </a:rPr>
               <a:t>Keeping an eye on PA Streams (mckeont.github.io)</a:t>
             </a:r>
-            <a:endParaRPr lang="en-US" dirty="0"/>
+            <a:endParaRPr lang="en-US" sz="2000"/>
           </a:p>
           <a:p>
             <a:pPr lvl="1"/>
             <a:r>
-              <a:rPr lang="en-US" dirty="0">
+              <a:rPr lang="en-US" sz="2000">
                 <a:hlinkClick r:id="rId3"/>
               </a:rPr>
               <a:t>Property Trees (mckeont.github.io)</a:t>
             </a:r>
-            <a:endParaRPr lang="en-US" dirty="0"/>
+            <a:endParaRPr lang="en-US" sz="2000"/>
           </a:p>
           <a:p>
             <a:pPr marL="457200" lvl="1" indent="0">
               <a:buNone/>
             </a:pPr>
-            <a:endParaRPr lang="en-US" dirty="0"/>
-          </a:p>
-          <a:p>
-            <a:endParaRPr lang="en-US" dirty="0"/>
-          </a:p>
-          <a:p>
-            <a:endParaRPr lang="en-US" dirty="0"/>
-          </a:p>
-        </p:txBody>
-      </p:sp>
+            <a:endParaRPr lang="en-US" sz="2000"/>
+          </a:p>
+          <a:p>
+            <a:endParaRPr lang="en-US" sz="2000"/>
+          </a:p>
+          <a:p>
+            <a:endParaRPr lang="en-US" sz="2000"/>
+          </a:p>
+        </p:txBody>
+      </p:sp>
+      <p:pic>
+        <p:nvPicPr>
+          <p:cNvPr id="5" name="Picture 4" descr="Computer script on a screen">
+            <a:extLst>
+              <a:ext uri="{FF2B5EF4-FFF2-40B4-BE49-F238E27FC236}">
+                <a16:creationId xmlns:a16="http://schemas.microsoft.com/office/drawing/2014/main" id="{9E261999-4198-9B84-1C4D-27BD8660AE52}"/>
+              </a:ext>
+            </a:extLst>
+          </p:cNvPr>
+          <p:cNvPicPr>
+            <a:picLocks noChangeAspect="1"/>
+          </p:cNvPicPr>
+          <p:nvPr/>
+        </p:nvPicPr>
+        <p:blipFill rotWithShape="1">
+          <a:blip r:embed="rId4"/>
+          <a:srcRect l="7554" r="47326" b="-1"/>
+          <a:stretch/>
+        </p:blipFill>
+        <p:spPr>
+          <a:xfrm>
+            <a:off x="20" y="10"/>
+            <a:ext cx="4635571" cy="6857990"/>
+          </a:xfrm>
+          <a:prstGeom prst="rect">
+            <a:avLst/>
+          </a:prstGeom>
+          <a:effectLst/>
+        </p:spPr>
+      </p:pic>
+      <p:cxnSp>
+        <p:nvCxnSpPr>
+          <p:cNvPr id="9" name="Straight Connector 8">
+            <a:extLst>
+              <a:ext uri="{FF2B5EF4-FFF2-40B4-BE49-F238E27FC236}">
+                <a16:creationId xmlns:a16="http://schemas.microsoft.com/office/drawing/2014/main" id="{A7F400EE-A8A5-48AF-B4D6-291B52C6F0B0}"/>
+              </a:ext>
+              <a:ext uri="{C183D7F6-B498-43B3-948B-1728B52AA6E4}">
+                <adec:decorative xmlns:adec="http://schemas.microsoft.com/office/drawing/2017/decorative" val="1"/>
+              </a:ext>
+            </a:extLst>
+          </p:cNvPr>
+          <p:cNvCxnSpPr>
+            <a:cxnSpLocks noGrp="1" noRot="1" noChangeAspect="1" noMove="1" noResize="1" noEditPoints="1" noAdjustHandles="1" noChangeArrowheads="1" noChangeShapeType="1"/>
+          </p:cNvCxnSpPr>
+          <p:nvPr>
+            <p:extLst>
+              <p:ext uri="{386F3935-93C4-4BCD-93E2-E3B085C9AB24}">
+                <p16:designElem xmlns:p16="http://schemas.microsoft.com/office/powerpoint/2015/main" val="1"/>
+              </p:ext>
+            </p:extLst>
+          </p:nvPr>
+        </p:nvCxnSpPr>
+        <p:spPr>
+          <a:xfrm>
+            <a:off x="5080934" y="2115117"/>
+            <a:ext cx="6309360" cy="0"/>
+          </a:xfrm>
+          <a:prstGeom prst="line">
+            <a:avLst/>
+          </a:prstGeom>
+          <a:ln w="19050">
+            <a:solidFill>
+              <a:srgbClr val="04D3EE"/>
+            </a:solidFill>
+          </a:ln>
+        </p:spPr>
+        <p:style>
+          <a:lnRef idx="1">
+            <a:schemeClr val="accent1"/>
+          </a:lnRef>
+          <a:fillRef idx="0">
+            <a:schemeClr val="accent1"/>
+          </a:fillRef>
+          <a:effectRef idx="0">
+            <a:schemeClr val="accent1"/>
+          </a:effectRef>
+          <a:fontRef idx="minor">
+            <a:schemeClr val="tx1"/>
+          </a:fontRef>
+        </p:style>
+      </p:cxnSp>
     </p:spTree>
     <p:extLst>
       <p:ext uri="{BB962C8B-B14F-4D97-AF65-F5344CB8AC3E}">
@@ -3964,7 +4736,7 @@
           <p:cNvPr id="2" name="Title 1">
             <a:extLst>
               <a:ext uri="{FF2B5EF4-FFF2-40B4-BE49-F238E27FC236}">
-                <a16:creationId xmlns:a16="http://schemas.microsoft.com/office/drawing/2014/main" id="{D9B0CC02-0CED-06A8-FFC3-A95F8323AAF8}"/>
+                <a16:creationId xmlns:a16="http://schemas.microsoft.com/office/drawing/2014/main" id="{93DF4870-4E79-C06B-AC5D-D20A1C84879D}"/>
               </a:ext>
             </a:extLst>
           </p:cNvPr>
@@ -3980,7 +4752,10 @@
           <a:bodyPr/>
           <a:lstStyle/>
           <a:p>
-            <a:endParaRPr lang="en-US"/>
+            <a:r>
+              <a:rPr lang="en-US" dirty="0"/>
+              <a:t>Bringing in your data</a:t>
+            </a:r>
           </a:p>
         </p:txBody>
       </p:sp>
@@ -3989,7 +4764,7 @@
           <p:cNvPr id="3" name="Content Placeholder 2">
             <a:extLst>
               <a:ext uri="{FF2B5EF4-FFF2-40B4-BE49-F238E27FC236}">
-                <a16:creationId xmlns:a16="http://schemas.microsoft.com/office/drawing/2014/main" id="{29E9842A-9255-90DD-9318-A86D41ED820D}"/>
+                <a16:creationId xmlns:a16="http://schemas.microsoft.com/office/drawing/2014/main" id="{FF02B138-CBBC-73A6-FB2B-14BD154FE489}"/>
               </a:ext>
             </a:extLst>
           </p:cNvPr>
@@ -4000,12 +4775,62 @@
             <p:ph idx="1"/>
           </p:nvPr>
         </p:nvSpPr>
-        <p:spPr/>
-        <p:txBody>
-          <a:bodyPr/>
-          <a:lstStyle/>
-          <a:p>
-            <a:endParaRPr lang="en-US"/>
+        <p:spPr>
+          <a:xfrm>
+            <a:off x="753358" y="1542821"/>
+            <a:ext cx="10515600" cy="4351338"/>
+          </a:xfrm>
+        </p:spPr>
+        <p:txBody>
+          <a:bodyPr/>
+          <a:lstStyle/>
+          <a:p>
+            <a:r>
+              <a:rPr lang="en-US" dirty="0"/>
+              <a:t>For this demo we will create a </a:t>
+            </a:r>
+            <a:r>
+              <a:rPr lang="en-US" dirty="0" err="1"/>
+              <a:t>GeoJSON</a:t>
+            </a:r>
+            <a:endParaRPr lang="en-US" dirty="0"/>
+          </a:p>
+          <a:p>
+            <a:r>
+              <a:rPr lang="en-US" dirty="0"/>
+              <a:t>You can work with anything spatial!</a:t>
+            </a:r>
+          </a:p>
+          <a:p>
+            <a:pPr lvl="1"/>
+            <a:r>
+              <a:rPr lang="en-US" dirty="0"/>
+              <a:t>Shapefile, KML, </a:t>
+            </a:r>
+            <a:r>
+              <a:rPr lang="en-US" dirty="0" err="1"/>
+              <a:t>GeoJSON</a:t>
+            </a:r>
+            <a:r>
+              <a:rPr lang="en-US" dirty="0"/>
+              <a:t>, csv, </a:t>
+            </a:r>
+            <a:r>
+              <a:rPr lang="en-US" dirty="0" err="1"/>
+              <a:t>etc</a:t>
+            </a:r>
+            <a:r>
+              <a:rPr lang="en-US" dirty="0"/>
+              <a:t>…</a:t>
+            </a:r>
+          </a:p>
+          <a:p>
+            <a:pPr lvl="1"/>
+            <a:endParaRPr lang="en-US" dirty="0"/>
+          </a:p>
+          <a:p>
+            <a:pPr lvl="1"/>
+            <a:endParaRPr lang="en-US" dirty="0"/>
           </a:p>
         </p:txBody>
       </p:sp>
@@ -4014,7 +4839,7 @@
           <p:cNvPr id="5" name="Picture 4">
             <a:extLst>
               <a:ext uri="{FF2B5EF4-FFF2-40B4-BE49-F238E27FC236}">
-                <a16:creationId xmlns:a16="http://schemas.microsoft.com/office/drawing/2014/main" id="{135605D9-EC67-B1EF-5258-489DF145DF55}"/>
+                <a16:creationId xmlns:a16="http://schemas.microsoft.com/office/drawing/2014/main" id="{D79E7112-1538-8131-8F29-F47A9B55D43E}"/>
               </a:ext>
             </a:extLst>
           </p:cNvPr>
@@ -4031,8 +4856,38 @@
         </p:blipFill>
         <p:spPr>
           <a:xfrm>
-            <a:off x="1795462" y="714375"/>
-            <a:ext cx="8601075" cy="5429250"/>
+            <a:off x="6985261" y="2658215"/>
+            <a:ext cx="4939351" cy="3653685"/>
+          </a:xfrm>
+          <a:prstGeom prst="rect">
+            <a:avLst/>
+          </a:prstGeom>
+        </p:spPr>
+      </p:pic>
+      <p:pic>
+        <p:nvPicPr>
+          <p:cNvPr id="6" name="Picture 5">
+            <a:extLst>
+              <a:ext uri="{FF2B5EF4-FFF2-40B4-BE49-F238E27FC236}">
+                <a16:creationId xmlns:a16="http://schemas.microsoft.com/office/drawing/2014/main" id="{DD022D27-9C66-2CA6-7CC0-34F622E7824D}"/>
+              </a:ext>
+            </a:extLst>
+          </p:cNvPr>
+          <p:cNvPicPr>
+            <a:picLocks noChangeAspect="1"/>
+          </p:cNvPicPr>
+          <p:nvPr/>
+        </p:nvPicPr>
+        <p:blipFill>
+          <a:blip r:embed="rId3"/>
+          <a:stretch>
+            <a:fillRect/>
+          </a:stretch>
+        </p:blipFill>
+        <p:spPr>
+          <a:xfrm>
+            <a:off x="1159497" y="3169630"/>
+            <a:ext cx="5349968" cy="3377056"/>
           </a:xfrm>
           <a:prstGeom prst="rect">
             <a:avLst/>
@@ -4042,7 +4897,7 @@
     </p:spTree>
     <p:extLst>
       <p:ext uri="{BB962C8B-B14F-4D97-AF65-F5344CB8AC3E}">
-        <p14:creationId xmlns:p14="http://schemas.microsoft.com/office/powerpoint/2010/main" val="3976922980"/>
+        <p14:creationId xmlns:p14="http://schemas.microsoft.com/office/powerpoint/2010/main" val="1515630371"/>
       </p:ext>
     </p:extLst>
   </p:cSld>
@@ -4074,7 +4929,7 @@
           <p:cNvPr id="2" name="Title 1">
             <a:extLst>
               <a:ext uri="{FF2B5EF4-FFF2-40B4-BE49-F238E27FC236}">
-                <a16:creationId xmlns:a16="http://schemas.microsoft.com/office/drawing/2014/main" id="{0455DF6C-8F8B-22B6-CE02-40AA8346AD8E}"/>
+                <a16:creationId xmlns:a16="http://schemas.microsoft.com/office/drawing/2014/main" id="{7F24FEFC-3C3D-4227-03B7-96FCC72E385A}"/>
               </a:ext>
             </a:extLst>
           </p:cNvPr>
@@ -4099,7 +4954,7 @@
           <p:cNvPr id="3" name="Content Placeholder 2">
             <a:extLst>
               <a:ext uri="{FF2B5EF4-FFF2-40B4-BE49-F238E27FC236}">
-                <a16:creationId xmlns:a16="http://schemas.microsoft.com/office/drawing/2014/main" id="{DD5DFD99-3E4A-5131-27C3-5E20D4B63E53}"/>
+                <a16:creationId xmlns:a16="http://schemas.microsoft.com/office/drawing/2014/main" id="{E4D5A424-F956-4F4C-8605-0A7C268B14DC}"/>
               </a:ext>
             </a:extLst>
           </p:cNvPr>
@@ -4124,7 +4979,7 @@
           <p:cNvPr id="5" name="Picture 4">
             <a:extLst>
               <a:ext uri="{FF2B5EF4-FFF2-40B4-BE49-F238E27FC236}">
-                <a16:creationId xmlns:a16="http://schemas.microsoft.com/office/drawing/2014/main" id="{0850DC4F-8112-DC24-375E-ACBBF700840A}"/>
+                <a16:creationId xmlns:a16="http://schemas.microsoft.com/office/drawing/2014/main" id="{233D3E41-21E1-BD30-402A-0E532BB6C84F}"/>
               </a:ext>
             </a:extLst>
           </p:cNvPr>
@@ -4141,8 +4996,8 @@
         </p:blipFill>
         <p:spPr>
           <a:xfrm>
-            <a:off x="4152900" y="1209675"/>
-            <a:ext cx="3886200" cy="4438650"/>
+            <a:off x="0" y="206694"/>
+            <a:ext cx="12192000" cy="6444612"/>
           </a:xfrm>
           <a:prstGeom prst="rect">
             <a:avLst/>
@@ -4152,7 +5007,7 @@
     </p:spTree>
     <p:extLst>
       <p:ext uri="{BB962C8B-B14F-4D97-AF65-F5344CB8AC3E}">
-        <p14:creationId xmlns:p14="http://schemas.microsoft.com/office/powerpoint/2010/main" val="4192464839"/>
+        <p14:creationId xmlns:p14="http://schemas.microsoft.com/office/powerpoint/2010/main" val="1442237979"/>
       </p:ext>
     </p:extLst>
   </p:cSld>
@@ -4184,7 +5039,7 @@
           <p:cNvPr id="2" name="Title 1">
             <a:extLst>
               <a:ext uri="{FF2B5EF4-FFF2-40B4-BE49-F238E27FC236}">
-                <a16:creationId xmlns:a16="http://schemas.microsoft.com/office/drawing/2014/main" id="{0DD3DB74-218C-0AEF-8315-AB98D967A2CB}"/>
+                <a16:creationId xmlns:a16="http://schemas.microsoft.com/office/drawing/2014/main" id="{C12BE14B-1968-18AB-1F30-88F4BCDBC616}"/>
               </a:ext>
             </a:extLst>
           </p:cNvPr>
@@ -4200,48 +5055,28 @@
           <a:bodyPr/>
           <a:lstStyle/>
           <a:p>
-            <a:endParaRPr lang="en-US"/>
-          </a:p>
-        </p:txBody>
-      </p:sp>
-      <p:sp>
-        <p:nvSpPr>
-          <p:cNvPr id="3" name="Content Placeholder 2">
-            <a:extLst>
-              <a:ext uri="{FF2B5EF4-FFF2-40B4-BE49-F238E27FC236}">
-                <a16:creationId xmlns:a16="http://schemas.microsoft.com/office/drawing/2014/main" id="{B3627656-49FE-5754-7F2C-038583C30B2A}"/>
-              </a:ext>
-            </a:extLst>
-          </p:cNvPr>
-          <p:cNvSpPr>
-            <a:spLocks noGrp="1"/>
-          </p:cNvSpPr>
-          <p:nvPr>
-            <p:ph idx="1"/>
-          </p:nvPr>
-        </p:nvSpPr>
-        <p:spPr/>
-        <p:txBody>
-          <a:bodyPr/>
-          <a:lstStyle/>
-          <a:p>
-            <a:endParaRPr lang="en-US"/>
+            <a:r>
+              <a:rPr lang="en-US" dirty="0"/>
+              <a:t>Add project folder to atom </a:t>
+            </a:r>
           </a:p>
         </p:txBody>
       </p:sp>
       <p:pic>
         <p:nvPicPr>
-          <p:cNvPr id="5" name="Picture 4">
-            <a:extLst>
-              <a:ext uri="{FF2B5EF4-FFF2-40B4-BE49-F238E27FC236}">
-                <a16:creationId xmlns:a16="http://schemas.microsoft.com/office/drawing/2014/main" id="{AAAEA6F1-0BB7-6247-133F-65F8E4A814A1}"/>
+          <p:cNvPr id="7" name="Content Placeholder 6">
+            <a:extLst>
+              <a:ext uri="{FF2B5EF4-FFF2-40B4-BE49-F238E27FC236}">
+                <a16:creationId xmlns:a16="http://schemas.microsoft.com/office/drawing/2014/main" id="{0D6D0258-557A-A977-667B-1288A2B6D94C}"/>
               </a:ext>
             </a:extLst>
           </p:cNvPr>
           <p:cNvPicPr>
-            <a:picLocks noChangeAspect="1"/>
+            <a:picLocks noGrp="1" noChangeAspect="1"/>
           </p:cNvPicPr>
-          <p:nvPr/>
+          <p:nvPr>
+            <p:ph idx="1"/>
+          </p:nvPr>
         </p:nvPicPr>
         <p:blipFill>
           <a:blip r:embed="rId2"/>
@@ -4251,8 +5086,35 @@
         </p:blipFill>
         <p:spPr>
           <a:xfrm>
-            <a:off x="1738312" y="395287"/>
-            <a:ext cx="8715375" cy="6067425"/>
+            <a:off x="838200" y="1690688"/>
+            <a:ext cx="7832408" cy="4351338"/>
+          </a:xfrm>
+        </p:spPr>
+      </p:pic>
+      <p:pic>
+        <p:nvPicPr>
+          <p:cNvPr id="8" name="Picture 7">
+            <a:extLst>
+              <a:ext uri="{FF2B5EF4-FFF2-40B4-BE49-F238E27FC236}">
+                <a16:creationId xmlns:a16="http://schemas.microsoft.com/office/drawing/2014/main" id="{5E570961-989C-572E-4144-8B95716D4BAA}"/>
+              </a:ext>
+            </a:extLst>
+          </p:cNvPr>
+          <p:cNvPicPr>
+            <a:picLocks noChangeAspect="1"/>
+          </p:cNvPicPr>
+          <p:nvPr/>
+        </p:nvPicPr>
+        <p:blipFill>
+          <a:blip r:embed="rId3"/>
+          <a:stretch>
+            <a:fillRect/>
+          </a:stretch>
+        </p:blipFill>
+        <p:spPr>
+          <a:xfrm>
+            <a:off x="7981106" y="2488676"/>
+            <a:ext cx="4062196" cy="3849738"/>
           </a:xfrm>
           <a:prstGeom prst="rect">
             <a:avLst/>
@@ -4262,7 +5124,7 @@
     </p:spTree>
     <p:extLst>
       <p:ext uri="{BB962C8B-B14F-4D97-AF65-F5344CB8AC3E}">
-        <p14:creationId xmlns:p14="http://schemas.microsoft.com/office/powerpoint/2010/main" val="3847580164"/>
+        <p14:creationId xmlns:p14="http://schemas.microsoft.com/office/powerpoint/2010/main" val="3011295906"/>
       </p:ext>
     </p:extLst>
   </p:cSld>
@@ -4289,19 +5151,49 @@
           <a:chExt cx="0" cy="0"/>
         </a:xfrm>
       </p:grpSpPr>
+      <p:sp>
+        <p:nvSpPr>
+          <p:cNvPr id="2" name="Title 1">
+            <a:extLst>
+              <a:ext uri="{FF2B5EF4-FFF2-40B4-BE49-F238E27FC236}">
+                <a16:creationId xmlns:a16="http://schemas.microsoft.com/office/drawing/2014/main" id="{36BDAAEB-6079-9412-16ED-CE3A244FE53E}"/>
+              </a:ext>
+            </a:extLst>
+          </p:cNvPr>
+          <p:cNvSpPr>
+            <a:spLocks noGrp="1"/>
+          </p:cNvSpPr>
+          <p:nvPr>
+            <p:ph type="title"/>
+          </p:nvPr>
+        </p:nvSpPr>
+        <p:spPr/>
+        <p:txBody>
+          <a:bodyPr/>
+          <a:lstStyle/>
+          <a:p>
+            <a:r>
+              <a:rPr lang="en-US" dirty="0"/>
+              <a:t>Initiate a map</a:t>
+            </a:r>
+          </a:p>
+        </p:txBody>
+      </p:sp>
       <p:pic>
         <p:nvPicPr>
-          <p:cNvPr id="3" name="Picture 2">
-            <a:extLst>
-              <a:ext uri="{FF2B5EF4-FFF2-40B4-BE49-F238E27FC236}">
-                <a16:creationId xmlns:a16="http://schemas.microsoft.com/office/drawing/2014/main" id="{848A2126-63F6-B1AE-84B1-8CB340E9B447}"/>
+          <p:cNvPr id="5" name="Content Placeholder 4">
+            <a:extLst>
+              <a:ext uri="{FF2B5EF4-FFF2-40B4-BE49-F238E27FC236}">
+                <a16:creationId xmlns:a16="http://schemas.microsoft.com/office/drawing/2014/main" id="{16EF59BF-8FEC-9F8D-254D-B3B95927D08C}"/>
               </a:ext>
             </a:extLst>
           </p:cNvPr>
           <p:cNvPicPr>
-            <a:picLocks noChangeAspect="1"/>
+            <a:picLocks noGrp="1" noChangeAspect="1"/>
           </p:cNvPicPr>
-          <p:nvPr/>
+          <p:nvPr>
+            <p:ph idx="1"/>
+          </p:nvPr>
         </p:nvPicPr>
         <p:blipFill>
           <a:blip r:embed="rId2"/>
@@ -4311,18 +5203,132 @@
         </p:blipFill>
         <p:spPr>
           <a:xfrm>
-            <a:off x="1938337" y="395287"/>
-            <a:ext cx="8315325" cy="6067425"/>
+            <a:off x="602530" y="1379592"/>
+            <a:ext cx="10515600" cy="2490775"/>
+          </a:xfrm>
+        </p:spPr>
+      </p:pic>
+      <p:pic>
+        <p:nvPicPr>
+          <p:cNvPr id="7" name="Picture 6">
+            <a:extLst>
+              <a:ext uri="{FF2B5EF4-FFF2-40B4-BE49-F238E27FC236}">
+                <a16:creationId xmlns:a16="http://schemas.microsoft.com/office/drawing/2014/main" id="{28A23BD2-62AB-710A-14DA-681F671D4865}"/>
+              </a:ext>
+            </a:extLst>
+          </p:cNvPr>
+          <p:cNvPicPr>
+            <a:picLocks noChangeAspect="1"/>
+          </p:cNvPicPr>
+          <p:nvPr/>
+        </p:nvPicPr>
+        <p:blipFill>
+          <a:blip r:embed="rId3"/>
+          <a:stretch>
+            <a:fillRect/>
+          </a:stretch>
+        </p:blipFill>
+        <p:spPr>
+          <a:xfrm>
+            <a:off x="8540040" y="2460658"/>
+            <a:ext cx="2578090" cy="4032217"/>
           </a:xfrm>
           <a:prstGeom prst="rect">
             <a:avLst/>
           </a:prstGeom>
         </p:spPr>
       </p:pic>
+      <p:cxnSp>
+        <p:nvCxnSpPr>
+          <p:cNvPr id="9" name="Straight Arrow Connector 8">
+            <a:extLst>
+              <a:ext uri="{FF2B5EF4-FFF2-40B4-BE49-F238E27FC236}">
+                <a16:creationId xmlns:a16="http://schemas.microsoft.com/office/drawing/2014/main" id="{9C765AF4-F2CB-5100-A88C-D7D06E79AAD5}"/>
+              </a:ext>
+            </a:extLst>
+          </p:cNvPr>
+          <p:cNvCxnSpPr/>
+          <p:nvPr/>
+        </p:nvCxnSpPr>
+        <p:spPr>
+          <a:xfrm flipH="1" flipV="1">
+            <a:off x="5929460" y="3516198"/>
+            <a:ext cx="2564091" cy="1508289"/>
+          </a:xfrm>
+          <a:prstGeom prst="straightConnector1">
+            <a:avLst/>
+          </a:prstGeom>
+          <a:ln>
+            <a:tailEnd type="triangle"/>
+          </a:ln>
+        </p:spPr>
+        <p:style>
+          <a:lnRef idx="1">
+            <a:schemeClr val="accent1"/>
+          </a:lnRef>
+          <a:fillRef idx="0">
+            <a:schemeClr val="accent1"/>
+          </a:fillRef>
+          <a:effectRef idx="0">
+            <a:schemeClr val="accent1"/>
+          </a:effectRef>
+          <a:fontRef idx="minor">
+            <a:schemeClr val="tx1"/>
+          </a:fontRef>
+        </p:style>
+      </p:cxnSp>
+      <p:sp>
+        <p:nvSpPr>
+          <p:cNvPr id="10" name="TextBox 9">
+            <a:extLst>
+              <a:ext uri="{FF2B5EF4-FFF2-40B4-BE49-F238E27FC236}">
+                <a16:creationId xmlns:a16="http://schemas.microsoft.com/office/drawing/2014/main" id="{6907FD35-78AB-69F5-1319-72BBF0C72B99}"/>
+              </a:ext>
+            </a:extLst>
+          </p:cNvPr>
+          <p:cNvSpPr txBox="1"/>
+          <p:nvPr/>
+        </p:nvSpPr>
+        <p:spPr>
+          <a:xfrm>
+            <a:off x="4913905" y="4444779"/>
+            <a:ext cx="1836751" cy="646331"/>
+          </a:xfrm>
+          <a:prstGeom prst="rect">
+            <a:avLst/>
+          </a:prstGeom>
+          <a:solidFill>
+            <a:schemeClr val="accent4">
+              <a:lumMod val="40000"/>
+              <a:lumOff val="60000"/>
+            </a:schemeClr>
+          </a:solidFill>
+        </p:spPr>
+        <p:txBody>
+          <a:bodyPr wrap="square" rtlCol="0">
+            <a:spAutoFit/>
+          </a:bodyPr>
+          <a:lstStyle/>
+          <a:p>
+            <a:r>
+              <a:rPr lang="en-US" dirty="0"/>
+              <a:t>Choose your </a:t>
+            </a:r>
+            <a:r>
+              <a:rPr lang="en-US" dirty="0" err="1"/>
+              <a:t>basemap</a:t>
+            </a:r>
+            <a:r>
+              <a:rPr lang="en-US" dirty="0"/>
+              <a:t>!</a:t>
+            </a:r>
+          </a:p>
+        </p:txBody>
+      </p:sp>
     </p:spTree>
     <p:extLst>
       <p:ext uri="{BB962C8B-B14F-4D97-AF65-F5344CB8AC3E}">
-        <p14:creationId xmlns:p14="http://schemas.microsoft.com/office/powerpoint/2010/main" val="779234277"/>
+        <p14:creationId xmlns:p14="http://schemas.microsoft.com/office/powerpoint/2010/main" val="2864276703"/>
       </p:ext>
     </p:extLst>
   </p:cSld>
@@ -4349,12 +5355,62 @@
           <a:chExt cx="0" cy="0"/>
         </a:xfrm>
       </p:grpSpPr>
+      <p:sp>
+        <p:nvSpPr>
+          <p:cNvPr id="2" name="Title 1">
+            <a:extLst>
+              <a:ext uri="{FF2B5EF4-FFF2-40B4-BE49-F238E27FC236}">
+                <a16:creationId xmlns:a16="http://schemas.microsoft.com/office/drawing/2014/main" id="{0FA1B65F-A32E-8683-A910-1E1AB8B7C259}"/>
+              </a:ext>
+            </a:extLst>
+          </p:cNvPr>
+          <p:cNvSpPr>
+            <a:spLocks noGrp="1"/>
+          </p:cNvSpPr>
+          <p:nvPr>
+            <p:ph type="title"/>
+          </p:nvPr>
+        </p:nvSpPr>
+        <p:spPr/>
+        <p:txBody>
+          <a:bodyPr/>
+          <a:lstStyle/>
+          <a:p>
+            <a:endParaRPr lang="en-US"/>
+          </a:p>
+        </p:txBody>
+      </p:sp>
+      <p:sp>
+        <p:nvSpPr>
+          <p:cNvPr id="3" name="Content Placeholder 2">
+            <a:extLst>
+              <a:ext uri="{FF2B5EF4-FFF2-40B4-BE49-F238E27FC236}">
+                <a16:creationId xmlns:a16="http://schemas.microsoft.com/office/drawing/2014/main" id="{98CCB66A-9927-A940-FE8B-4A2C86B95D42}"/>
+              </a:ext>
+            </a:extLst>
+          </p:cNvPr>
+          <p:cNvSpPr>
+            <a:spLocks noGrp="1"/>
+          </p:cNvSpPr>
+          <p:nvPr>
+            <p:ph idx="1"/>
+          </p:nvPr>
+        </p:nvSpPr>
+        <p:spPr/>
+        <p:txBody>
+          <a:bodyPr/>
+          <a:lstStyle/>
+          <a:p>
+            <a:endParaRPr lang="en-US"/>
+          </a:p>
+        </p:txBody>
+      </p:sp>
       <p:pic>
         <p:nvPicPr>
-          <p:cNvPr id="3" name="Picture 2">
-            <a:extLst>
-              <a:ext uri="{FF2B5EF4-FFF2-40B4-BE49-F238E27FC236}">
-                <a16:creationId xmlns:a16="http://schemas.microsoft.com/office/drawing/2014/main" id="{8EF02D13-3A63-5E9B-D4D5-B05318B1FF5F}"/>
+          <p:cNvPr id="5" name="Picture 4">
+            <a:extLst>
+              <a:ext uri="{FF2B5EF4-FFF2-40B4-BE49-F238E27FC236}">
+                <a16:creationId xmlns:a16="http://schemas.microsoft.com/office/drawing/2014/main" id="{DA09A517-B937-437E-20A2-7F10D8060936}"/>
               </a:ext>
             </a:extLst>
           </p:cNvPr>
@@ -4371,18 +5427,59 @@
         </p:blipFill>
         <p:spPr>
           <a:xfrm>
-            <a:off x="0" y="1029363"/>
-            <a:ext cx="12192000" cy="4799273"/>
+            <a:off x="257175" y="261937"/>
+            <a:ext cx="11677650" cy="6334125"/>
           </a:xfrm>
           <a:prstGeom prst="rect">
             <a:avLst/>
           </a:prstGeom>
         </p:spPr>
       </p:pic>
+      <p:sp>
+        <p:nvSpPr>
+          <p:cNvPr id="13" name="TextBox 12">
+            <a:extLst>
+              <a:ext uri="{FF2B5EF4-FFF2-40B4-BE49-F238E27FC236}">
+                <a16:creationId xmlns:a16="http://schemas.microsoft.com/office/drawing/2014/main" id="{84138F54-6BD5-29D7-0F6B-CE26B2005E90}"/>
+              </a:ext>
+            </a:extLst>
+          </p:cNvPr>
+          <p:cNvSpPr txBox="1"/>
+          <p:nvPr/>
+        </p:nvSpPr>
+        <p:spPr>
+          <a:xfrm>
+            <a:off x="3429001" y="311705"/>
+            <a:ext cx="6094674" cy="369332"/>
+          </a:xfrm>
+          <a:prstGeom prst="rect">
+            <a:avLst/>
+          </a:prstGeom>
+          <a:noFill/>
+        </p:spPr>
+        <p:txBody>
+          <a:bodyPr wrap="square">
+            <a:spAutoFit/>
+          </a:bodyPr>
+          <a:lstStyle/>
+          <a:p>
+            <a:r>
+              <a:rPr lang="en-US" dirty="0">
+                <a:hlinkClick r:id="rId3"/>
+              </a:rPr>
+              <a:t>https://github.com/mckeont/GeoTag</a:t>
+            </a:r>
+            <a:r>
+              <a:rPr lang="en-US" dirty="0"/>
+              <a:t> </a:t>
+            </a:r>
+          </a:p>
+        </p:txBody>
+      </p:sp>
     </p:spTree>
     <p:extLst>
       <p:ext uri="{BB962C8B-B14F-4D97-AF65-F5344CB8AC3E}">
-        <p14:creationId xmlns:p14="http://schemas.microsoft.com/office/powerpoint/2010/main" val="1459344287"/>
+        <p14:creationId xmlns:p14="http://schemas.microsoft.com/office/powerpoint/2010/main" val="1016339810"/>
       </p:ext>
     </p:extLst>
   </p:cSld>

--- a/Presentation/Presentation.pptx
+++ b/Presentation/Presentation.pptx
@@ -13,11 +13,12 @@
     <p:sldId id="268" r:id="rId7"/>
     <p:sldId id="269" r:id="rId8"/>
     <p:sldId id="270" r:id="rId9"/>
-    <p:sldId id="266" r:id="rId10"/>
-    <p:sldId id="259" r:id="rId11"/>
-    <p:sldId id="260" r:id="rId12"/>
-    <p:sldId id="261" r:id="rId13"/>
-    <p:sldId id="262" r:id="rId14"/>
+    <p:sldId id="271" r:id="rId10"/>
+    <p:sldId id="266" r:id="rId11"/>
+    <p:sldId id="259" r:id="rId12"/>
+    <p:sldId id="260" r:id="rId13"/>
+    <p:sldId id="261" r:id="rId14"/>
+    <p:sldId id="262" r:id="rId15"/>
   </p:sldIdLst>
   <p:sldSz cx="12192000" cy="6858000"/>
   <p:notesSz cx="6858000" cy="9144000"/>
@@ -3781,6 +3782,157 @@
           <p:cNvPr id="2" name="Title 1">
             <a:extLst>
               <a:ext uri="{FF2B5EF4-FFF2-40B4-BE49-F238E27FC236}">
+                <a16:creationId xmlns:a16="http://schemas.microsoft.com/office/drawing/2014/main" id="{0FA1B65F-A32E-8683-A910-1E1AB8B7C259}"/>
+              </a:ext>
+            </a:extLst>
+          </p:cNvPr>
+          <p:cNvSpPr>
+            <a:spLocks noGrp="1"/>
+          </p:cNvSpPr>
+          <p:nvPr>
+            <p:ph type="title"/>
+          </p:nvPr>
+        </p:nvSpPr>
+        <p:spPr/>
+        <p:txBody>
+          <a:bodyPr/>
+          <a:lstStyle/>
+          <a:p>
+            <a:endParaRPr lang="en-US"/>
+          </a:p>
+        </p:txBody>
+      </p:sp>
+      <p:sp>
+        <p:nvSpPr>
+          <p:cNvPr id="3" name="Content Placeholder 2">
+            <a:extLst>
+              <a:ext uri="{FF2B5EF4-FFF2-40B4-BE49-F238E27FC236}">
+                <a16:creationId xmlns:a16="http://schemas.microsoft.com/office/drawing/2014/main" id="{98CCB66A-9927-A940-FE8B-4A2C86B95D42}"/>
+              </a:ext>
+            </a:extLst>
+          </p:cNvPr>
+          <p:cNvSpPr>
+            <a:spLocks noGrp="1"/>
+          </p:cNvSpPr>
+          <p:nvPr>
+            <p:ph idx="1"/>
+          </p:nvPr>
+        </p:nvSpPr>
+        <p:spPr/>
+        <p:txBody>
+          <a:bodyPr/>
+          <a:lstStyle/>
+          <a:p>
+            <a:endParaRPr lang="en-US"/>
+          </a:p>
+        </p:txBody>
+      </p:sp>
+      <p:pic>
+        <p:nvPicPr>
+          <p:cNvPr id="5" name="Picture 4">
+            <a:extLst>
+              <a:ext uri="{FF2B5EF4-FFF2-40B4-BE49-F238E27FC236}">
+                <a16:creationId xmlns:a16="http://schemas.microsoft.com/office/drawing/2014/main" id="{DA09A517-B937-437E-20A2-7F10D8060936}"/>
+              </a:ext>
+            </a:extLst>
+          </p:cNvPr>
+          <p:cNvPicPr>
+            <a:picLocks noChangeAspect="1"/>
+          </p:cNvPicPr>
+          <p:nvPr/>
+        </p:nvPicPr>
+        <p:blipFill>
+          <a:blip r:embed="rId2"/>
+          <a:stretch>
+            <a:fillRect/>
+          </a:stretch>
+        </p:blipFill>
+        <p:spPr>
+          <a:xfrm>
+            <a:off x="257175" y="261937"/>
+            <a:ext cx="11677650" cy="6334125"/>
+          </a:xfrm>
+          <a:prstGeom prst="rect">
+            <a:avLst/>
+          </a:prstGeom>
+        </p:spPr>
+      </p:pic>
+      <p:sp>
+        <p:nvSpPr>
+          <p:cNvPr id="13" name="TextBox 12">
+            <a:extLst>
+              <a:ext uri="{FF2B5EF4-FFF2-40B4-BE49-F238E27FC236}">
+                <a16:creationId xmlns:a16="http://schemas.microsoft.com/office/drawing/2014/main" id="{84138F54-6BD5-29D7-0F6B-CE26B2005E90}"/>
+              </a:ext>
+            </a:extLst>
+          </p:cNvPr>
+          <p:cNvSpPr txBox="1"/>
+          <p:nvPr/>
+        </p:nvSpPr>
+        <p:spPr>
+          <a:xfrm>
+            <a:off x="3429001" y="311705"/>
+            <a:ext cx="6094674" cy="369332"/>
+          </a:xfrm>
+          <a:prstGeom prst="rect">
+            <a:avLst/>
+          </a:prstGeom>
+          <a:noFill/>
+        </p:spPr>
+        <p:txBody>
+          <a:bodyPr wrap="square">
+            <a:spAutoFit/>
+          </a:bodyPr>
+          <a:lstStyle/>
+          <a:p>
+            <a:r>
+              <a:rPr lang="en-US" dirty="0">
+                <a:hlinkClick r:id="rId3"/>
+              </a:rPr>
+              <a:t>https://github.com/mckeont/GeoTag</a:t>
+            </a:r>
+            <a:r>
+              <a:rPr lang="en-US" dirty="0"/>
+              <a:t> </a:t>
+            </a:r>
+          </a:p>
+        </p:txBody>
+      </p:sp>
+    </p:spTree>
+    <p:extLst>
+      <p:ext uri="{BB962C8B-B14F-4D97-AF65-F5344CB8AC3E}">
+        <p14:creationId xmlns:p14="http://schemas.microsoft.com/office/powerpoint/2010/main" val="1016339810"/>
+      </p:ext>
+    </p:extLst>
+  </p:cSld>
+  <p:clrMapOvr>
+    <a:masterClrMapping/>
+  </p:clrMapOvr>
+</p:sld>
+</file>
+
+<file path=ppt/slides/slide11.xml><?xml version="1.0" encoding="utf-8"?>
+<p:sld xmlns:a="http://schemas.openxmlformats.org/drawingml/2006/main" xmlns:r="http://schemas.openxmlformats.org/officeDocument/2006/relationships" xmlns:p="http://schemas.openxmlformats.org/presentationml/2006/main">
+  <p:cSld>
+    <p:spTree>
+      <p:nvGrpSpPr>
+        <p:cNvPr id="1" name=""/>
+        <p:cNvGrpSpPr/>
+        <p:nvPr/>
+      </p:nvGrpSpPr>
+      <p:grpSpPr>
+        <a:xfrm>
+          <a:off x="0" y="0"/>
+          <a:ext cx="0" cy="0"/>
+          <a:chOff x="0" y="0"/>
+          <a:chExt cx="0" cy="0"/>
+        </a:xfrm>
+      </p:grpSpPr>
+      <p:sp>
+        <p:nvSpPr>
+          <p:cNvPr id="2" name="Title 1">
+            <a:extLst>
+              <a:ext uri="{FF2B5EF4-FFF2-40B4-BE49-F238E27FC236}">
                 <a16:creationId xmlns:a16="http://schemas.microsoft.com/office/drawing/2014/main" id="{0455DF6C-8F8B-22B6-CE02-40AA8346AD8E}"/>
               </a:ext>
             </a:extLst>
@@ -3869,7 +4021,7 @@
 </p:sld>
 </file>
 
-<file path=ppt/slides/slide11.xml><?xml version="1.0" encoding="utf-8"?>
+<file path=ppt/slides/slide12.xml><?xml version="1.0" encoding="utf-8"?>
 <p:sld xmlns:a="http://schemas.openxmlformats.org/drawingml/2006/main" xmlns:r="http://schemas.openxmlformats.org/officeDocument/2006/relationships" xmlns:p="http://schemas.openxmlformats.org/presentationml/2006/main">
   <p:cSld>
     <p:spTree>
@@ -3979,7 +4131,7 @@
 </p:sld>
 </file>
 
-<file path=ppt/slides/slide12.xml><?xml version="1.0" encoding="utf-8"?>
+<file path=ppt/slides/slide13.xml><?xml version="1.0" encoding="utf-8"?>
 <p:sld xmlns:a="http://schemas.openxmlformats.org/drawingml/2006/main" xmlns:r="http://schemas.openxmlformats.org/officeDocument/2006/relationships" xmlns:p="http://schemas.openxmlformats.org/presentationml/2006/main">
   <p:cSld>
     <p:spTree>
@@ -4039,7 +4191,7 @@
 </p:sld>
 </file>
 
-<file path=ppt/slides/slide13.xml><?xml version="1.0" encoding="utf-8"?>
+<file path=ppt/slides/slide14.xml><?xml version="1.0" encoding="utf-8"?>
 <p:sld xmlns:a="http://schemas.openxmlformats.org/drawingml/2006/main" xmlns:r="http://schemas.openxmlformats.org/officeDocument/2006/relationships" xmlns:p="http://schemas.openxmlformats.org/presentationml/2006/main">
   <p:cSld>
     <p:spTree>
@@ -4501,10 +4653,10 @@
       </p:sp>
       <p:pic>
         <p:nvPicPr>
-          <p:cNvPr id="5" name="Picture 4">
-            <a:extLst>
-              <a:ext uri="{FF2B5EF4-FFF2-40B4-BE49-F238E27FC236}">
-                <a16:creationId xmlns:a16="http://schemas.microsoft.com/office/drawing/2014/main" id="{53EFBD70-B20F-B479-708E-BC577CDDDB47}"/>
+          <p:cNvPr id="6" name="Picture 5">
+            <a:extLst>
+              <a:ext uri="{FF2B5EF4-FFF2-40B4-BE49-F238E27FC236}">
+                <a16:creationId xmlns:a16="http://schemas.microsoft.com/office/drawing/2014/main" id="{CF8444EA-ABD1-6021-53E9-D45429CE5846}"/>
               </a:ext>
             </a:extLst>
           </p:cNvPr>
@@ -4521,8 +4673,8 @@
         </p:blipFill>
         <p:spPr>
           <a:xfrm>
-            <a:off x="4702073" y="3601040"/>
-            <a:ext cx="5925896" cy="2710860"/>
+            <a:off x="4947698" y="3557588"/>
+            <a:ext cx="6000750" cy="2619375"/>
           </a:xfrm>
           <a:prstGeom prst="rect">
             <a:avLst/>
@@ -5091,36 +5243,6 @@
           </a:xfrm>
         </p:spPr>
       </p:pic>
-      <p:pic>
-        <p:nvPicPr>
-          <p:cNvPr id="8" name="Picture 7">
-            <a:extLst>
-              <a:ext uri="{FF2B5EF4-FFF2-40B4-BE49-F238E27FC236}">
-                <a16:creationId xmlns:a16="http://schemas.microsoft.com/office/drawing/2014/main" id="{5E570961-989C-572E-4144-8B95716D4BAA}"/>
-              </a:ext>
-            </a:extLst>
-          </p:cNvPr>
-          <p:cNvPicPr>
-            <a:picLocks noChangeAspect="1"/>
-          </p:cNvPicPr>
-          <p:nvPr/>
-        </p:nvPicPr>
-        <p:blipFill>
-          <a:blip r:embed="rId3"/>
-          <a:stretch>
-            <a:fillRect/>
-          </a:stretch>
-        </p:blipFill>
-        <p:spPr>
-          <a:xfrm>
-            <a:off x="7981106" y="2488676"/>
-            <a:ext cx="4062196" cy="3849738"/>
-          </a:xfrm>
-          <a:prstGeom prst="rect">
-            <a:avLst/>
-          </a:prstGeom>
-        </p:spPr>
-      </p:pic>
     </p:spTree>
     <p:extLst>
       <p:ext uri="{BB962C8B-B14F-4D97-AF65-F5344CB8AC3E}">
@@ -5360,7 +5482,7 @@
           <p:cNvPr id="2" name="Title 1">
             <a:extLst>
               <a:ext uri="{FF2B5EF4-FFF2-40B4-BE49-F238E27FC236}">
-                <a16:creationId xmlns:a16="http://schemas.microsoft.com/office/drawing/2014/main" id="{0FA1B65F-A32E-8683-A910-1E1AB8B7C259}"/>
+                <a16:creationId xmlns:a16="http://schemas.microsoft.com/office/drawing/2014/main" id="{35FAF6A2-9680-1E8D-CBAB-630006CA843A}"/>
               </a:ext>
             </a:extLst>
           </p:cNvPr>
@@ -5376,7 +5498,18 @@
           <a:bodyPr/>
           <a:lstStyle/>
           <a:p>
-            <a:endParaRPr lang="en-US"/>
+            <a:r>
+              <a:rPr lang="en-US" dirty="0"/>
+              <a:t>Read in the </a:t>
+            </a:r>
+            <a:r>
+              <a:rPr lang="en-US" dirty="0" err="1"/>
+              <a:t>GeoJSON</a:t>
+            </a:r>
+            <a:r>
+              <a:rPr lang="en-US" dirty="0"/>
+              <a:t> </a:t>
+            </a:r>
           </a:p>
         </p:txBody>
       </p:sp>
@@ -5385,7 +5518,7 @@
           <p:cNvPr id="3" name="Content Placeholder 2">
             <a:extLst>
               <a:ext uri="{FF2B5EF4-FFF2-40B4-BE49-F238E27FC236}">
-                <a16:creationId xmlns:a16="http://schemas.microsoft.com/office/drawing/2014/main" id="{98CCB66A-9927-A940-FE8B-4A2C86B95D42}"/>
+                <a16:creationId xmlns:a16="http://schemas.microsoft.com/office/drawing/2014/main" id="{2D5C13E6-B7B9-9FC5-8DF9-F0F93DFD2001}"/>
               </a:ext>
             </a:extLst>
           </p:cNvPr>
@@ -5401,16 +5534,16 @@
           <a:bodyPr/>
           <a:lstStyle/>
           <a:p>
-            <a:endParaRPr lang="en-US"/>
+            <a:endParaRPr lang="en-US" dirty="0"/>
           </a:p>
         </p:txBody>
       </p:sp>
       <p:pic>
         <p:nvPicPr>
-          <p:cNvPr id="5" name="Picture 4">
-            <a:extLst>
-              <a:ext uri="{FF2B5EF4-FFF2-40B4-BE49-F238E27FC236}">
-                <a16:creationId xmlns:a16="http://schemas.microsoft.com/office/drawing/2014/main" id="{DA09A517-B937-437E-20A2-7F10D8060936}"/>
+          <p:cNvPr id="4" name="Picture 3">
+            <a:extLst>
+              <a:ext uri="{FF2B5EF4-FFF2-40B4-BE49-F238E27FC236}">
+                <a16:creationId xmlns:a16="http://schemas.microsoft.com/office/drawing/2014/main" id="{F7BF2E3B-E207-25AA-57EE-88F15AE2A4BB}"/>
               </a:ext>
             </a:extLst>
           </p:cNvPr>
@@ -5427,59 +5560,18 @@
         </p:blipFill>
         <p:spPr>
           <a:xfrm>
-            <a:off x="257175" y="261937"/>
-            <a:ext cx="11677650" cy="6334125"/>
+            <a:off x="3550508" y="2076425"/>
+            <a:ext cx="4062196" cy="3849738"/>
           </a:xfrm>
           <a:prstGeom prst="rect">
             <a:avLst/>
           </a:prstGeom>
         </p:spPr>
       </p:pic>
-      <p:sp>
-        <p:nvSpPr>
-          <p:cNvPr id="13" name="TextBox 12">
-            <a:extLst>
-              <a:ext uri="{FF2B5EF4-FFF2-40B4-BE49-F238E27FC236}">
-                <a16:creationId xmlns:a16="http://schemas.microsoft.com/office/drawing/2014/main" id="{84138F54-6BD5-29D7-0F6B-CE26B2005E90}"/>
-              </a:ext>
-            </a:extLst>
-          </p:cNvPr>
-          <p:cNvSpPr txBox="1"/>
-          <p:nvPr/>
-        </p:nvSpPr>
-        <p:spPr>
-          <a:xfrm>
-            <a:off x="3429001" y="311705"/>
-            <a:ext cx="6094674" cy="369332"/>
-          </a:xfrm>
-          <a:prstGeom prst="rect">
-            <a:avLst/>
-          </a:prstGeom>
-          <a:noFill/>
-        </p:spPr>
-        <p:txBody>
-          <a:bodyPr wrap="square">
-            <a:spAutoFit/>
-          </a:bodyPr>
-          <a:lstStyle/>
-          <a:p>
-            <a:r>
-              <a:rPr lang="en-US" dirty="0">
-                <a:hlinkClick r:id="rId3"/>
-              </a:rPr>
-              <a:t>https://github.com/mckeont/GeoTag</a:t>
-            </a:r>
-            <a:r>
-              <a:rPr lang="en-US" dirty="0"/>
-              <a:t> </a:t>
-            </a:r>
-          </a:p>
-        </p:txBody>
-      </p:sp>
     </p:spTree>
     <p:extLst>
       <p:ext uri="{BB962C8B-B14F-4D97-AF65-F5344CB8AC3E}">
-        <p14:creationId xmlns:p14="http://schemas.microsoft.com/office/powerpoint/2010/main" val="1016339810"/>
+        <p14:creationId xmlns:p14="http://schemas.microsoft.com/office/powerpoint/2010/main" val="3174442665"/>
       </p:ext>
     </p:extLst>
   </p:cSld>
